--- a/ppt 16-9/1183.奇妙迦南.pptx
+++ b/ppt 16-9/1183.奇妙迦南.pptx
@@ -129,7 +129,7 @@
           <p:cNvPr id="2" name="标题 1">
             <a:extLst>
               <a:ext uri="{FF2B5EF4-FFF2-40B4-BE49-F238E27FC236}">
-                <a16:creationId xmlns:a16="http://schemas.microsoft.com/office/drawing/2014/main" id="{1BD2541F-CE06-B1D8-5D8D-4328872DFE24}"/>
+                <a16:creationId xmlns:a16="http://schemas.microsoft.com/office/drawing/2014/main" id="{12679795-40C4-CFA8-08D8-5FA78E5CCA96}"/>
               </a:ext>
             </a:extLst>
           </p:cNvPr>
@@ -166,7 +166,7 @@
           <p:cNvPr id="3" name="副标题 2">
             <a:extLst>
               <a:ext uri="{FF2B5EF4-FFF2-40B4-BE49-F238E27FC236}">
-                <a16:creationId xmlns:a16="http://schemas.microsoft.com/office/drawing/2014/main" id="{78841A50-B99F-0333-20F3-61C20D466EDF}"/>
+                <a16:creationId xmlns:a16="http://schemas.microsoft.com/office/drawing/2014/main" id="{2BE4140F-62B0-18F2-0F6B-BD6B1C3B7BD0}"/>
               </a:ext>
             </a:extLst>
           </p:cNvPr>
@@ -236,7 +236,7 @@
           <p:cNvPr id="4" name="日期占位符 3">
             <a:extLst>
               <a:ext uri="{FF2B5EF4-FFF2-40B4-BE49-F238E27FC236}">
-                <a16:creationId xmlns:a16="http://schemas.microsoft.com/office/drawing/2014/main" id="{6079A039-B022-F530-6E08-5C5C4A2DBA19}"/>
+                <a16:creationId xmlns:a16="http://schemas.microsoft.com/office/drawing/2014/main" id="{595F35DF-DFE0-DF74-9A3E-A7A932F14AE1}"/>
               </a:ext>
             </a:extLst>
           </p:cNvPr>
@@ -252,7 +252,7 @@
           <a:bodyPr/>
           <a:lstStyle/>
           <a:p>
-            <a:fld id="{81A1F754-EDC5-4E54-92D5-B288709DFD01}" type="datetimeFigureOut">
+            <a:fld id="{A555466C-0027-4E39-ADFA-1570B77EBF19}" type="datetimeFigureOut">
               <a:rPr lang="zh-CN" altLang="en-US" smtClean="0"/>
               <a:t>2024/3/10</a:t>
             </a:fld>
@@ -265,7 +265,7 @@
           <p:cNvPr id="5" name="页脚占位符 4">
             <a:extLst>
               <a:ext uri="{FF2B5EF4-FFF2-40B4-BE49-F238E27FC236}">
-                <a16:creationId xmlns:a16="http://schemas.microsoft.com/office/drawing/2014/main" id="{94EE3BFC-70E2-D54C-13D6-020356097DA0}"/>
+                <a16:creationId xmlns:a16="http://schemas.microsoft.com/office/drawing/2014/main" id="{D617D973-FCDB-00E9-96E0-A8AE42D7CBCE}"/>
               </a:ext>
             </a:extLst>
           </p:cNvPr>
@@ -290,7 +290,7 @@
           <p:cNvPr id="6" name="灯片编号占位符 5">
             <a:extLst>
               <a:ext uri="{FF2B5EF4-FFF2-40B4-BE49-F238E27FC236}">
-                <a16:creationId xmlns:a16="http://schemas.microsoft.com/office/drawing/2014/main" id="{5BA7346F-E3A5-6385-33D3-58E522C1DE54}"/>
+                <a16:creationId xmlns:a16="http://schemas.microsoft.com/office/drawing/2014/main" id="{09F740DA-E825-0658-86A2-986D106B946E}"/>
               </a:ext>
             </a:extLst>
           </p:cNvPr>
@@ -306,7 +306,7 @@
           <a:bodyPr/>
           <a:lstStyle/>
           <a:p>
-            <a:fld id="{8EC6BEC0-842B-47DC-BBAE-B9CF1592390D}" type="slidenum">
+            <a:fld id="{33F4ADCF-40E1-463F-AD60-B77680CD8297}" type="slidenum">
               <a:rPr lang="zh-CN" altLang="en-US" smtClean="0"/>
               <a:t>‹#›</a:t>
             </a:fld>
@@ -317,7 +317,7 @@
     </p:spTree>
     <p:extLst>
       <p:ext uri="{BB962C8B-B14F-4D97-AF65-F5344CB8AC3E}">
-        <p14:creationId xmlns:p14="http://schemas.microsoft.com/office/powerpoint/2010/main" val="2712824946"/>
+        <p14:creationId xmlns:p14="http://schemas.microsoft.com/office/powerpoint/2010/main" val="2879835164"/>
       </p:ext>
     </p:extLst>
   </p:cSld>
@@ -349,7 +349,7 @@
           <p:cNvPr id="2" name="标题 1">
             <a:extLst>
               <a:ext uri="{FF2B5EF4-FFF2-40B4-BE49-F238E27FC236}">
-                <a16:creationId xmlns:a16="http://schemas.microsoft.com/office/drawing/2014/main" id="{51B4D786-017C-E8EA-BEB6-B373A70456C9}"/>
+                <a16:creationId xmlns:a16="http://schemas.microsoft.com/office/drawing/2014/main" id="{6EF697CA-40EB-ABB3-C017-86713616BC99}"/>
               </a:ext>
             </a:extLst>
           </p:cNvPr>
@@ -377,7 +377,7 @@
           <p:cNvPr id="3" name="竖排文字占位符 2">
             <a:extLst>
               <a:ext uri="{FF2B5EF4-FFF2-40B4-BE49-F238E27FC236}">
-                <a16:creationId xmlns:a16="http://schemas.microsoft.com/office/drawing/2014/main" id="{D0F91E9F-8483-C9DE-B670-7D8B12057363}"/>
+                <a16:creationId xmlns:a16="http://schemas.microsoft.com/office/drawing/2014/main" id="{FDDB49A7-67BB-3BDF-561D-270BDF8FED02}"/>
               </a:ext>
             </a:extLst>
           </p:cNvPr>
@@ -434,7 +434,7 @@
           <p:cNvPr id="4" name="日期占位符 3">
             <a:extLst>
               <a:ext uri="{FF2B5EF4-FFF2-40B4-BE49-F238E27FC236}">
-                <a16:creationId xmlns:a16="http://schemas.microsoft.com/office/drawing/2014/main" id="{2AC92956-24ED-7D99-B695-FDFACC3923A7}"/>
+                <a16:creationId xmlns:a16="http://schemas.microsoft.com/office/drawing/2014/main" id="{5CBE5C42-39E1-25C2-FFFE-467C84415BDD}"/>
               </a:ext>
             </a:extLst>
           </p:cNvPr>
@@ -450,7 +450,7 @@
           <a:bodyPr/>
           <a:lstStyle/>
           <a:p>
-            <a:fld id="{81A1F754-EDC5-4E54-92D5-B288709DFD01}" type="datetimeFigureOut">
+            <a:fld id="{A555466C-0027-4E39-ADFA-1570B77EBF19}" type="datetimeFigureOut">
               <a:rPr lang="zh-CN" altLang="en-US" smtClean="0"/>
               <a:t>2024/3/10</a:t>
             </a:fld>
@@ -463,7 +463,7 @@
           <p:cNvPr id="5" name="页脚占位符 4">
             <a:extLst>
               <a:ext uri="{FF2B5EF4-FFF2-40B4-BE49-F238E27FC236}">
-                <a16:creationId xmlns:a16="http://schemas.microsoft.com/office/drawing/2014/main" id="{91633269-F3DD-D6A2-2703-37DA09DE466C}"/>
+                <a16:creationId xmlns:a16="http://schemas.microsoft.com/office/drawing/2014/main" id="{068EA8E3-3AEA-0104-CB5F-3B1F25293F65}"/>
               </a:ext>
             </a:extLst>
           </p:cNvPr>
@@ -488,7 +488,7 @@
           <p:cNvPr id="6" name="灯片编号占位符 5">
             <a:extLst>
               <a:ext uri="{FF2B5EF4-FFF2-40B4-BE49-F238E27FC236}">
-                <a16:creationId xmlns:a16="http://schemas.microsoft.com/office/drawing/2014/main" id="{9E80E61C-8170-2DFB-07ED-F2CBB51DDAC2}"/>
+                <a16:creationId xmlns:a16="http://schemas.microsoft.com/office/drawing/2014/main" id="{98F5C763-E0A3-9403-1B53-1371C26A9E35}"/>
               </a:ext>
             </a:extLst>
           </p:cNvPr>
@@ -504,7 +504,7 @@
           <a:bodyPr/>
           <a:lstStyle/>
           <a:p>
-            <a:fld id="{8EC6BEC0-842B-47DC-BBAE-B9CF1592390D}" type="slidenum">
+            <a:fld id="{33F4ADCF-40E1-463F-AD60-B77680CD8297}" type="slidenum">
               <a:rPr lang="zh-CN" altLang="en-US" smtClean="0"/>
               <a:t>‹#›</a:t>
             </a:fld>
@@ -515,7 +515,7 @@
     </p:spTree>
     <p:extLst>
       <p:ext uri="{BB962C8B-B14F-4D97-AF65-F5344CB8AC3E}">
-        <p14:creationId xmlns:p14="http://schemas.microsoft.com/office/powerpoint/2010/main" val="3521390000"/>
+        <p14:creationId xmlns:p14="http://schemas.microsoft.com/office/powerpoint/2010/main" val="2079911416"/>
       </p:ext>
     </p:extLst>
   </p:cSld>
@@ -547,7 +547,7 @@
           <p:cNvPr id="2" name="竖排标题 1">
             <a:extLst>
               <a:ext uri="{FF2B5EF4-FFF2-40B4-BE49-F238E27FC236}">
-                <a16:creationId xmlns:a16="http://schemas.microsoft.com/office/drawing/2014/main" id="{B4A6F708-6C57-29CF-6D8D-F74399657381}"/>
+                <a16:creationId xmlns:a16="http://schemas.microsoft.com/office/drawing/2014/main" id="{2158E2D4-9748-8EE9-9FD5-24B769502422}"/>
               </a:ext>
             </a:extLst>
           </p:cNvPr>
@@ -580,7 +580,7 @@
           <p:cNvPr id="3" name="竖排文字占位符 2">
             <a:extLst>
               <a:ext uri="{FF2B5EF4-FFF2-40B4-BE49-F238E27FC236}">
-                <a16:creationId xmlns:a16="http://schemas.microsoft.com/office/drawing/2014/main" id="{301AC1E0-AF5C-857B-28FA-B47B0987A4A8}"/>
+                <a16:creationId xmlns:a16="http://schemas.microsoft.com/office/drawing/2014/main" id="{CAFC5AD9-4953-B062-246D-63BCD7E71A22}"/>
               </a:ext>
             </a:extLst>
           </p:cNvPr>
@@ -642,7 +642,7 @@
           <p:cNvPr id="4" name="日期占位符 3">
             <a:extLst>
               <a:ext uri="{FF2B5EF4-FFF2-40B4-BE49-F238E27FC236}">
-                <a16:creationId xmlns:a16="http://schemas.microsoft.com/office/drawing/2014/main" id="{C7495E59-7C84-7046-BDCE-19A5D831D8C7}"/>
+                <a16:creationId xmlns:a16="http://schemas.microsoft.com/office/drawing/2014/main" id="{D5E554B7-CE8F-6C98-85AC-F1DDA8C08099}"/>
               </a:ext>
             </a:extLst>
           </p:cNvPr>
@@ -658,7 +658,7 @@
           <a:bodyPr/>
           <a:lstStyle/>
           <a:p>
-            <a:fld id="{81A1F754-EDC5-4E54-92D5-B288709DFD01}" type="datetimeFigureOut">
+            <a:fld id="{A555466C-0027-4E39-ADFA-1570B77EBF19}" type="datetimeFigureOut">
               <a:rPr lang="zh-CN" altLang="en-US" smtClean="0"/>
               <a:t>2024/3/10</a:t>
             </a:fld>
@@ -671,7 +671,7 @@
           <p:cNvPr id="5" name="页脚占位符 4">
             <a:extLst>
               <a:ext uri="{FF2B5EF4-FFF2-40B4-BE49-F238E27FC236}">
-                <a16:creationId xmlns:a16="http://schemas.microsoft.com/office/drawing/2014/main" id="{DBEDAAD5-889B-DB38-1E43-B1C4B0017E74}"/>
+                <a16:creationId xmlns:a16="http://schemas.microsoft.com/office/drawing/2014/main" id="{666C2028-74AC-C17F-B056-934D7265D888}"/>
               </a:ext>
             </a:extLst>
           </p:cNvPr>
@@ -696,7 +696,7 @@
           <p:cNvPr id="6" name="灯片编号占位符 5">
             <a:extLst>
               <a:ext uri="{FF2B5EF4-FFF2-40B4-BE49-F238E27FC236}">
-                <a16:creationId xmlns:a16="http://schemas.microsoft.com/office/drawing/2014/main" id="{EC581D26-58AA-FAD9-74FE-1A7B77C40C57}"/>
+                <a16:creationId xmlns:a16="http://schemas.microsoft.com/office/drawing/2014/main" id="{C393B7D3-C599-7E92-25AC-EA73B4418B79}"/>
               </a:ext>
             </a:extLst>
           </p:cNvPr>
@@ -712,7 +712,7 @@
           <a:bodyPr/>
           <a:lstStyle/>
           <a:p>
-            <a:fld id="{8EC6BEC0-842B-47DC-BBAE-B9CF1592390D}" type="slidenum">
+            <a:fld id="{33F4ADCF-40E1-463F-AD60-B77680CD8297}" type="slidenum">
               <a:rPr lang="zh-CN" altLang="en-US" smtClean="0"/>
               <a:t>‹#›</a:t>
             </a:fld>
@@ -723,7 +723,7 @@
     </p:spTree>
     <p:extLst>
       <p:ext uri="{BB962C8B-B14F-4D97-AF65-F5344CB8AC3E}">
-        <p14:creationId xmlns:p14="http://schemas.microsoft.com/office/powerpoint/2010/main" val="1877081843"/>
+        <p14:creationId xmlns:p14="http://schemas.microsoft.com/office/powerpoint/2010/main" val="395768518"/>
       </p:ext>
     </p:extLst>
   </p:cSld>
@@ -755,7 +755,7 @@
           <p:cNvPr id="2" name="标题 1">
             <a:extLst>
               <a:ext uri="{FF2B5EF4-FFF2-40B4-BE49-F238E27FC236}">
-                <a16:creationId xmlns:a16="http://schemas.microsoft.com/office/drawing/2014/main" id="{85E2E766-1600-C33D-869A-CF9E65399D56}"/>
+                <a16:creationId xmlns:a16="http://schemas.microsoft.com/office/drawing/2014/main" id="{C4E1BF97-80D9-68A8-A5A9-4C5857CAB1D3}"/>
               </a:ext>
             </a:extLst>
           </p:cNvPr>
@@ -783,7 +783,7 @@
           <p:cNvPr id="3" name="内容占位符 2">
             <a:extLst>
               <a:ext uri="{FF2B5EF4-FFF2-40B4-BE49-F238E27FC236}">
-                <a16:creationId xmlns:a16="http://schemas.microsoft.com/office/drawing/2014/main" id="{FF31FD12-B179-682A-A14F-D5495712C35D}"/>
+                <a16:creationId xmlns:a16="http://schemas.microsoft.com/office/drawing/2014/main" id="{DE45B3DA-6362-8CC8-B1F5-E2019E4DD31B}"/>
               </a:ext>
             </a:extLst>
           </p:cNvPr>
@@ -840,7 +840,7 @@
           <p:cNvPr id="4" name="日期占位符 3">
             <a:extLst>
               <a:ext uri="{FF2B5EF4-FFF2-40B4-BE49-F238E27FC236}">
-                <a16:creationId xmlns:a16="http://schemas.microsoft.com/office/drawing/2014/main" id="{F6B137FC-D8CA-DAD3-CC5B-D0C44BA79B77}"/>
+                <a16:creationId xmlns:a16="http://schemas.microsoft.com/office/drawing/2014/main" id="{99DAE776-8F87-6F89-1A87-E35A6B77D1FC}"/>
               </a:ext>
             </a:extLst>
           </p:cNvPr>
@@ -856,7 +856,7 @@
           <a:bodyPr/>
           <a:lstStyle/>
           <a:p>
-            <a:fld id="{81A1F754-EDC5-4E54-92D5-B288709DFD01}" type="datetimeFigureOut">
+            <a:fld id="{A555466C-0027-4E39-ADFA-1570B77EBF19}" type="datetimeFigureOut">
               <a:rPr lang="zh-CN" altLang="en-US" smtClean="0"/>
               <a:t>2024/3/10</a:t>
             </a:fld>
@@ -869,7 +869,7 @@
           <p:cNvPr id="5" name="页脚占位符 4">
             <a:extLst>
               <a:ext uri="{FF2B5EF4-FFF2-40B4-BE49-F238E27FC236}">
-                <a16:creationId xmlns:a16="http://schemas.microsoft.com/office/drawing/2014/main" id="{2F5C63F6-2C01-B2A2-64A1-CBF0ACE05C15}"/>
+                <a16:creationId xmlns:a16="http://schemas.microsoft.com/office/drawing/2014/main" id="{B0A2A152-01A4-31D4-F732-A8776727ED10}"/>
               </a:ext>
             </a:extLst>
           </p:cNvPr>
@@ -894,7 +894,7 @@
           <p:cNvPr id="6" name="灯片编号占位符 5">
             <a:extLst>
               <a:ext uri="{FF2B5EF4-FFF2-40B4-BE49-F238E27FC236}">
-                <a16:creationId xmlns:a16="http://schemas.microsoft.com/office/drawing/2014/main" id="{02193D6A-D20F-192E-9F46-FA99895B9DBB}"/>
+                <a16:creationId xmlns:a16="http://schemas.microsoft.com/office/drawing/2014/main" id="{4A97E5D9-374B-FBD2-EA6C-14488607508A}"/>
               </a:ext>
             </a:extLst>
           </p:cNvPr>
@@ -910,7 +910,7 @@
           <a:bodyPr/>
           <a:lstStyle/>
           <a:p>
-            <a:fld id="{8EC6BEC0-842B-47DC-BBAE-B9CF1592390D}" type="slidenum">
+            <a:fld id="{33F4ADCF-40E1-463F-AD60-B77680CD8297}" type="slidenum">
               <a:rPr lang="zh-CN" altLang="en-US" smtClean="0"/>
               <a:t>‹#›</a:t>
             </a:fld>
@@ -921,7 +921,7 @@
     </p:spTree>
     <p:extLst>
       <p:ext uri="{BB962C8B-B14F-4D97-AF65-F5344CB8AC3E}">
-        <p14:creationId xmlns:p14="http://schemas.microsoft.com/office/powerpoint/2010/main" val="2489379782"/>
+        <p14:creationId xmlns:p14="http://schemas.microsoft.com/office/powerpoint/2010/main" val="3506725304"/>
       </p:ext>
     </p:extLst>
   </p:cSld>
@@ -953,7 +953,7 @@
           <p:cNvPr id="2" name="标题 1">
             <a:extLst>
               <a:ext uri="{FF2B5EF4-FFF2-40B4-BE49-F238E27FC236}">
-                <a16:creationId xmlns:a16="http://schemas.microsoft.com/office/drawing/2014/main" id="{768752B8-D7E9-EC26-7EBA-991B97369243}"/>
+                <a16:creationId xmlns:a16="http://schemas.microsoft.com/office/drawing/2014/main" id="{2B452F44-701C-5302-3247-E5C4984FBA15}"/>
               </a:ext>
             </a:extLst>
           </p:cNvPr>
@@ -990,7 +990,7 @@
           <p:cNvPr id="3" name="文本占位符 2">
             <a:extLst>
               <a:ext uri="{FF2B5EF4-FFF2-40B4-BE49-F238E27FC236}">
-                <a16:creationId xmlns:a16="http://schemas.microsoft.com/office/drawing/2014/main" id="{E54DAD89-4F92-C900-DDCF-400360840F6B}"/>
+                <a16:creationId xmlns:a16="http://schemas.microsoft.com/office/drawing/2014/main" id="{2CD7CC2B-F871-4029-B56D-E045E3796A5E}"/>
               </a:ext>
             </a:extLst>
           </p:cNvPr>
@@ -1115,7 +1115,7 @@
           <p:cNvPr id="4" name="日期占位符 3">
             <a:extLst>
               <a:ext uri="{FF2B5EF4-FFF2-40B4-BE49-F238E27FC236}">
-                <a16:creationId xmlns:a16="http://schemas.microsoft.com/office/drawing/2014/main" id="{DC65BC37-C0CF-4283-12F2-50A636B9CA81}"/>
+                <a16:creationId xmlns:a16="http://schemas.microsoft.com/office/drawing/2014/main" id="{58C31DCE-09B4-9376-466C-214CBB12F73A}"/>
               </a:ext>
             </a:extLst>
           </p:cNvPr>
@@ -1131,7 +1131,7 @@
           <a:bodyPr/>
           <a:lstStyle/>
           <a:p>
-            <a:fld id="{81A1F754-EDC5-4E54-92D5-B288709DFD01}" type="datetimeFigureOut">
+            <a:fld id="{A555466C-0027-4E39-ADFA-1570B77EBF19}" type="datetimeFigureOut">
               <a:rPr lang="zh-CN" altLang="en-US" smtClean="0"/>
               <a:t>2024/3/10</a:t>
             </a:fld>
@@ -1144,7 +1144,7 @@
           <p:cNvPr id="5" name="页脚占位符 4">
             <a:extLst>
               <a:ext uri="{FF2B5EF4-FFF2-40B4-BE49-F238E27FC236}">
-                <a16:creationId xmlns:a16="http://schemas.microsoft.com/office/drawing/2014/main" id="{0F1F0BA2-49C1-26EE-890A-A59F12FB9EA1}"/>
+                <a16:creationId xmlns:a16="http://schemas.microsoft.com/office/drawing/2014/main" id="{335DD934-68D2-58F1-D2A8-B316ED8ED460}"/>
               </a:ext>
             </a:extLst>
           </p:cNvPr>
@@ -1169,7 +1169,7 @@
           <p:cNvPr id="6" name="灯片编号占位符 5">
             <a:extLst>
               <a:ext uri="{FF2B5EF4-FFF2-40B4-BE49-F238E27FC236}">
-                <a16:creationId xmlns:a16="http://schemas.microsoft.com/office/drawing/2014/main" id="{D10EC7AE-7F52-1841-A027-FC6CED89210D}"/>
+                <a16:creationId xmlns:a16="http://schemas.microsoft.com/office/drawing/2014/main" id="{A3F256B1-3B8C-0840-66AA-9548A02A567C}"/>
               </a:ext>
             </a:extLst>
           </p:cNvPr>
@@ -1185,7 +1185,7 @@
           <a:bodyPr/>
           <a:lstStyle/>
           <a:p>
-            <a:fld id="{8EC6BEC0-842B-47DC-BBAE-B9CF1592390D}" type="slidenum">
+            <a:fld id="{33F4ADCF-40E1-463F-AD60-B77680CD8297}" type="slidenum">
               <a:rPr lang="zh-CN" altLang="en-US" smtClean="0"/>
               <a:t>‹#›</a:t>
             </a:fld>
@@ -1196,7 +1196,7 @@
     </p:spTree>
     <p:extLst>
       <p:ext uri="{BB962C8B-B14F-4D97-AF65-F5344CB8AC3E}">
-        <p14:creationId xmlns:p14="http://schemas.microsoft.com/office/powerpoint/2010/main" val="3098480741"/>
+        <p14:creationId xmlns:p14="http://schemas.microsoft.com/office/powerpoint/2010/main" val="2778784312"/>
       </p:ext>
     </p:extLst>
   </p:cSld>
@@ -1228,7 +1228,7 @@
           <p:cNvPr id="2" name="标题 1">
             <a:extLst>
               <a:ext uri="{FF2B5EF4-FFF2-40B4-BE49-F238E27FC236}">
-                <a16:creationId xmlns:a16="http://schemas.microsoft.com/office/drawing/2014/main" id="{7F0632CA-5FB1-1C6E-2A8F-349BF3801ECB}"/>
+                <a16:creationId xmlns:a16="http://schemas.microsoft.com/office/drawing/2014/main" id="{3DF1D9A5-D2FC-FB58-28C8-3DF94D064644}"/>
               </a:ext>
             </a:extLst>
           </p:cNvPr>
@@ -1256,7 +1256,7 @@
           <p:cNvPr id="3" name="内容占位符 2">
             <a:extLst>
               <a:ext uri="{FF2B5EF4-FFF2-40B4-BE49-F238E27FC236}">
-                <a16:creationId xmlns:a16="http://schemas.microsoft.com/office/drawing/2014/main" id="{E9F36284-B255-1D04-306C-D31F90419AFC}"/>
+                <a16:creationId xmlns:a16="http://schemas.microsoft.com/office/drawing/2014/main" id="{79E8BFB5-AA40-EF46-F54A-785A24AB4BB3}"/>
               </a:ext>
             </a:extLst>
           </p:cNvPr>
@@ -1318,7 +1318,7 @@
           <p:cNvPr id="4" name="内容占位符 3">
             <a:extLst>
               <a:ext uri="{FF2B5EF4-FFF2-40B4-BE49-F238E27FC236}">
-                <a16:creationId xmlns:a16="http://schemas.microsoft.com/office/drawing/2014/main" id="{A81D12E5-053C-3CC4-F2A2-D7F5092BE1AE}"/>
+                <a16:creationId xmlns:a16="http://schemas.microsoft.com/office/drawing/2014/main" id="{03400D49-0BCA-8DB7-00E7-3770932B0707}"/>
               </a:ext>
             </a:extLst>
           </p:cNvPr>
@@ -1380,7 +1380,7 @@
           <p:cNvPr id="5" name="日期占位符 4">
             <a:extLst>
               <a:ext uri="{FF2B5EF4-FFF2-40B4-BE49-F238E27FC236}">
-                <a16:creationId xmlns:a16="http://schemas.microsoft.com/office/drawing/2014/main" id="{5EE8E486-4BE8-B6C2-14F6-F9E12B40424B}"/>
+                <a16:creationId xmlns:a16="http://schemas.microsoft.com/office/drawing/2014/main" id="{5BA9E8B2-3EA9-0A4A-CDB0-B8AC1137A273}"/>
               </a:ext>
             </a:extLst>
           </p:cNvPr>
@@ -1396,7 +1396,7 @@
           <a:bodyPr/>
           <a:lstStyle/>
           <a:p>
-            <a:fld id="{81A1F754-EDC5-4E54-92D5-B288709DFD01}" type="datetimeFigureOut">
+            <a:fld id="{A555466C-0027-4E39-ADFA-1570B77EBF19}" type="datetimeFigureOut">
               <a:rPr lang="zh-CN" altLang="en-US" smtClean="0"/>
               <a:t>2024/3/10</a:t>
             </a:fld>
@@ -1409,7 +1409,7 @@
           <p:cNvPr id="6" name="页脚占位符 5">
             <a:extLst>
               <a:ext uri="{FF2B5EF4-FFF2-40B4-BE49-F238E27FC236}">
-                <a16:creationId xmlns:a16="http://schemas.microsoft.com/office/drawing/2014/main" id="{6955B6AC-8433-9AEF-2465-D28492118EC0}"/>
+                <a16:creationId xmlns:a16="http://schemas.microsoft.com/office/drawing/2014/main" id="{8B667744-1FC4-6D66-1647-59DE58528FCC}"/>
               </a:ext>
             </a:extLst>
           </p:cNvPr>
@@ -1434,7 +1434,7 @@
           <p:cNvPr id="7" name="灯片编号占位符 6">
             <a:extLst>
               <a:ext uri="{FF2B5EF4-FFF2-40B4-BE49-F238E27FC236}">
-                <a16:creationId xmlns:a16="http://schemas.microsoft.com/office/drawing/2014/main" id="{31EAFC1E-AFDE-B27C-7B0D-EAE936399B74}"/>
+                <a16:creationId xmlns:a16="http://schemas.microsoft.com/office/drawing/2014/main" id="{6656B391-E170-0006-4C2C-04B5D835E334}"/>
               </a:ext>
             </a:extLst>
           </p:cNvPr>
@@ -1450,7 +1450,7 @@
           <a:bodyPr/>
           <a:lstStyle/>
           <a:p>
-            <a:fld id="{8EC6BEC0-842B-47DC-BBAE-B9CF1592390D}" type="slidenum">
+            <a:fld id="{33F4ADCF-40E1-463F-AD60-B77680CD8297}" type="slidenum">
               <a:rPr lang="zh-CN" altLang="en-US" smtClean="0"/>
               <a:t>‹#›</a:t>
             </a:fld>
@@ -1461,7 +1461,7 @@
     </p:spTree>
     <p:extLst>
       <p:ext uri="{BB962C8B-B14F-4D97-AF65-F5344CB8AC3E}">
-        <p14:creationId xmlns:p14="http://schemas.microsoft.com/office/powerpoint/2010/main" val="2184379025"/>
+        <p14:creationId xmlns:p14="http://schemas.microsoft.com/office/powerpoint/2010/main" val="4192577279"/>
       </p:ext>
     </p:extLst>
   </p:cSld>
@@ -1493,7 +1493,7 @@
           <p:cNvPr id="2" name="标题 1">
             <a:extLst>
               <a:ext uri="{FF2B5EF4-FFF2-40B4-BE49-F238E27FC236}">
-                <a16:creationId xmlns:a16="http://schemas.microsoft.com/office/drawing/2014/main" id="{760DC84E-39F9-6871-D7AA-EF01B766DF5C}"/>
+                <a16:creationId xmlns:a16="http://schemas.microsoft.com/office/drawing/2014/main" id="{C21B9F5E-D8F5-DCF9-4A2B-C0D681B78EE9}"/>
               </a:ext>
             </a:extLst>
           </p:cNvPr>
@@ -1526,7 +1526,7 @@
           <p:cNvPr id="3" name="文本占位符 2">
             <a:extLst>
               <a:ext uri="{FF2B5EF4-FFF2-40B4-BE49-F238E27FC236}">
-                <a16:creationId xmlns:a16="http://schemas.microsoft.com/office/drawing/2014/main" id="{6A7819B6-080C-8A1B-8BA2-EDA9D54A04C1}"/>
+                <a16:creationId xmlns:a16="http://schemas.microsoft.com/office/drawing/2014/main" id="{75956693-38F5-671A-D17C-61D311FBF518}"/>
               </a:ext>
             </a:extLst>
           </p:cNvPr>
@@ -1597,7 +1597,7 @@
           <p:cNvPr id="4" name="内容占位符 3">
             <a:extLst>
               <a:ext uri="{FF2B5EF4-FFF2-40B4-BE49-F238E27FC236}">
-                <a16:creationId xmlns:a16="http://schemas.microsoft.com/office/drawing/2014/main" id="{9CE3C54A-CF4D-B4BD-AA7F-7BF03D43CBC8}"/>
+                <a16:creationId xmlns:a16="http://schemas.microsoft.com/office/drawing/2014/main" id="{C845E26B-106A-1D6A-801F-AEA5C2289D6A}"/>
               </a:ext>
             </a:extLst>
           </p:cNvPr>
@@ -1659,7 +1659,7 @@
           <p:cNvPr id="5" name="文本占位符 4">
             <a:extLst>
               <a:ext uri="{FF2B5EF4-FFF2-40B4-BE49-F238E27FC236}">
-                <a16:creationId xmlns:a16="http://schemas.microsoft.com/office/drawing/2014/main" id="{297D7167-65A2-A66B-1F80-669A7CDB3A27}"/>
+                <a16:creationId xmlns:a16="http://schemas.microsoft.com/office/drawing/2014/main" id="{651E531F-5358-4C7D-4065-B26B20F4D7D1}"/>
               </a:ext>
             </a:extLst>
           </p:cNvPr>
@@ -1730,7 +1730,7 @@
           <p:cNvPr id="6" name="内容占位符 5">
             <a:extLst>
               <a:ext uri="{FF2B5EF4-FFF2-40B4-BE49-F238E27FC236}">
-                <a16:creationId xmlns:a16="http://schemas.microsoft.com/office/drawing/2014/main" id="{5CD08A4B-2DA0-A038-D771-FA872DA61DF6}"/>
+                <a16:creationId xmlns:a16="http://schemas.microsoft.com/office/drawing/2014/main" id="{1A842557-FBFD-9DBA-4A73-CE061C3F7848}"/>
               </a:ext>
             </a:extLst>
           </p:cNvPr>
@@ -1792,7 +1792,7 @@
           <p:cNvPr id="7" name="日期占位符 6">
             <a:extLst>
               <a:ext uri="{FF2B5EF4-FFF2-40B4-BE49-F238E27FC236}">
-                <a16:creationId xmlns:a16="http://schemas.microsoft.com/office/drawing/2014/main" id="{43F4E82D-6803-63FD-E03D-7C26296829B0}"/>
+                <a16:creationId xmlns:a16="http://schemas.microsoft.com/office/drawing/2014/main" id="{E7C681B4-FD5A-BE9A-5821-DFBCAE9CC8FA}"/>
               </a:ext>
             </a:extLst>
           </p:cNvPr>
@@ -1808,7 +1808,7 @@
           <a:bodyPr/>
           <a:lstStyle/>
           <a:p>
-            <a:fld id="{81A1F754-EDC5-4E54-92D5-B288709DFD01}" type="datetimeFigureOut">
+            <a:fld id="{A555466C-0027-4E39-ADFA-1570B77EBF19}" type="datetimeFigureOut">
               <a:rPr lang="zh-CN" altLang="en-US" smtClean="0"/>
               <a:t>2024/3/10</a:t>
             </a:fld>
@@ -1821,7 +1821,7 @@
           <p:cNvPr id="8" name="页脚占位符 7">
             <a:extLst>
               <a:ext uri="{FF2B5EF4-FFF2-40B4-BE49-F238E27FC236}">
-                <a16:creationId xmlns:a16="http://schemas.microsoft.com/office/drawing/2014/main" id="{44D14C1A-7F28-E169-47C3-970962E9DF1C}"/>
+                <a16:creationId xmlns:a16="http://schemas.microsoft.com/office/drawing/2014/main" id="{5D4D1707-3745-1ED3-01CE-A22A7086D3D7}"/>
               </a:ext>
             </a:extLst>
           </p:cNvPr>
@@ -1846,7 +1846,7 @@
           <p:cNvPr id="9" name="灯片编号占位符 8">
             <a:extLst>
               <a:ext uri="{FF2B5EF4-FFF2-40B4-BE49-F238E27FC236}">
-                <a16:creationId xmlns:a16="http://schemas.microsoft.com/office/drawing/2014/main" id="{7CEF9A44-3EB3-F0DE-D7C9-75CD2971B9CA}"/>
+                <a16:creationId xmlns:a16="http://schemas.microsoft.com/office/drawing/2014/main" id="{5734615B-4F62-9815-FE9A-04829BBBBDC5}"/>
               </a:ext>
             </a:extLst>
           </p:cNvPr>
@@ -1862,7 +1862,7 @@
           <a:bodyPr/>
           <a:lstStyle/>
           <a:p>
-            <a:fld id="{8EC6BEC0-842B-47DC-BBAE-B9CF1592390D}" type="slidenum">
+            <a:fld id="{33F4ADCF-40E1-463F-AD60-B77680CD8297}" type="slidenum">
               <a:rPr lang="zh-CN" altLang="en-US" smtClean="0"/>
               <a:t>‹#›</a:t>
             </a:fld>
@@ -1873,7 +1873,7 @@
     </p:spTree>
     <p:extLst>
       <p:ext uri="{BB962C8B-B14F-4D97-AF65-F5344CB8AC3E}">
-        <p14:creationId xmlns:p14="http://schemas.microsoft.com/office/powerpoint/2010/main" val="3482918363"/>
+        <p14:creationId xmlns:p14="http://schemas.microsoft.com/office/powerpoint/2010/main" val="221539290"/>
       </p:ext>
     </p:extLst>
   </p:cSld>
@@ -1905,7 +1905,7 @@
           <p:cNvPr id="2" name="标题 1">
             <a:extLst>
               <a:ext uri="{FF2B5EF4-FFF2-40B4-BE49-F238E27FC236}">
-                <a16:creationId xmlns:a16="http://schemas.microsoft.com/office/drawing/2014/main" id="{6D424DFC-B938-49BE-E3AA-5217A74E19E2}"/>
+                <a16:creationId xmlns:a16="http://schemas.microsoft.com/office/drawing/2014/main" id="{E19CFD17-9EAE-FCEB-EA32-2A7616FE4294}"/>
               </a:ext>
             </a:extLst>
           </p:cNvPr>
@@ -1933,7 +1933,7 @@
           <p:cNvPr id="3" name="日期占位符 2">
             <a:extLst>
               <a:ext uri="{FF2B5EF4-FFF2-40B4-BE49-F238E27FC236}">
-                <a16:creationId xmlns:a16="http://schemas.microsoft.com/office/drawing/2014/main" id="{A1960A39-3E1B-5C1E-9EAB-D85FCE6C2008}"/>
+                <a16:creationId xmlns:a16="http://schemas.microsoft.com/office/drawing/2014/main" id="{6F80C314-723B-416F-A3F9-8C55640B75D2}"/>
               </a:ext>
             </a:extLst>
           </p:cNvPr>
@@ -1949,7 +1949,7 @@
           <a:bodyPr/>
           <a:lstStyle/>
           <a:p>
-            <a:fld id="{81A1F754-EDC5-4E54-92D5-B288709DFD01}" type="datetimeFigureOut">
+            <a:fld id="{A555466C-0027-4E39-ADFA-1570B77EBF19}" type="datetimeFigureOut">
               <a:rPr lang="zh-CN" altLang="en-US" smtClean="0"/>
               <a:t>2024/3/10</a:t>
             </a:fld>
@@ -1962,7 +1962,7 @@
           <p:cNvPr id="4" name="页脚占位符 3">
             <a:extLst>
               <a:ext uri="{FF2B5EF4-FFF2-40B4-BE49-F238E27FC236}">
-                <a16:creationId xmlns:a16="http://schemas.microsoft.com/office/drawing/2014/main" id="{848F4459-451B-5A73-2340-9C97D5D0DD98}"/>
+                <a16:creationId xmlns:a16="http://schemas.microsoft.com/office/drawing/2014/main" id="{054BB3ED-A3C6-6872-7914-B898E4C22200}"/>
               </a:ext>
             </a:extLst>
           </p:cNvPr>
@@ -1987,7 +1987,7 @@
           <p:cNvPr id="5" name="灯片编号占位符 4">
             <a:extLst>
               <a:ext uri="{FF2B5EF4-FFF2-40B4-BE49-F238E27FC236}">
-                <a16:creationId xmlns:a16="http://schemas.microsoft.com/office/drawing/2014/main" id="{533CAEC6-A971-294D-959F-949791216141}"/>
+                <a16:creationId xmlns:a16="http://schemas.microsoft.com/office/drawing/2014/main" id="{088BD7EB-9963-E8A1-7F74-39C4AB201E42}"/>
               </a:ext>
             </a:extLst>
           </p:cNvPr>
@@ -2003,7 +2003,7 @@
           <a:bodyPr/>
           <a:lstStyle/>
           <a:p>
-            <a:fld id="{8EC6BEC0-842B-47DC-BBAE-B9CF1592390D}" type="slidenum">
+            <a:fld id="{33F4ADCF-40E1-463F-AD60-B77680CD8297}" type="slidenum">
               <a:rPr lang="zh-CN" altLang="en-US" smtClean="0"/>
               <a:t>‹#›</a:t>
             </a:fld>
@@ -2014,7 +2014,7 @@
     </p:spTree>
     <p:extLst>
       <p:ext uri="{BB962C8B-B14F-4D97-AF65-F5344CB8AC3E}">
-        <p14:creationId xmlns:p14="http://schemas.microsoft.com/office/powerpoint/2010/main" val="3904455602"/>
+        <p14:creationId xmlns:p14="http://schemas.microsoft.com/office/powerpoint/2010/main" val="1188171306"/>
       </p:ext>
     </p:extLst>
   </p:cSld>
@@ -2046,7 +2046,7 @@
           <p:cNvPr id="2" name="日期占位符 1">
             <a:extLst>
               <a:ext uri="{FF2B5EF4-FFF2-40B4-BE49-F238E27FC236}">
-                <a16:creationId xmlns:a16="http://schemas.microsoft.com/office/drawing/2014/main" id="{CF3E4E1C-1010-52F3-0B5D-DF3F9AEC86A7}"/>
+                <a16:creationId xmlns:a16="http://schemas.microsoft.com/office/drawing/2014/main" id="{D94CC6CF-A12D-6F76-1B37-FD70AA500553}"/>
               </a:ext>
             </a:extLst>
           </p:cNvPr>
@@ -2062,7 +2062,7 @@
           <a:bodyPr/>
           <a:lstStyle/>
           <a:p>
-            <a:fld id="{81A1F754-EDC5-4E54-92D5-B288709DFD01}" type="datetimeFigureOut">
+            <a:fld id="{A555466C-0027-4E39-ADFA-1570B77EBF19}" type="datetimeFigureOut">
               <a:rPr lang="zh-CN" altLang="en-US" smtClean="0"/>
               <a:t>2024/3/10</a:t>
             </a:fld>
@@ -2075,7 +2075,7 @@
           <p:cNvPr id="3" name="页脚占位符 2">
             <a:extLst>
               <a:ext uri="{FF2B5EF4-FFF2-40B4-BE49-F238E27FC236}">
-                <a16:creationId xmlns:a16="http://schemas.microsoft.com/office/drawing/2014/main" id="{E7C1DF8A-56FB-E32B-133C-AFF3634C6D25}"/>
+                <a16:creationId xmlns:a16="http://schemas.microsoft.com/office/drawing/2014/main" id="{78F57F88-D012-0657-748E-7C5FB7DA6D04}"/>
               </a:ext>
             </a:extLst>
           </p:cNvPr>
@@ -2100,7 +2100,7 @@
           <p:cNvPr id="4" name="灯片编号占位符 3">
             <a:extLst>
               <a:ext uri="{FF2B5EF4-FFF2-40B4-BE49-F238E27FC236}">
-                <a16:creationId xmlns:a16="http://schemas.microsoft.com/office/drawing/2014/main" id="{808B548C-6DCA-60B6-F3D1-C7743128ED14}"/>
+                <a16:creationId xmlns:a16="http://schemas.microsoft.com/office/drawing/2014/main" id="{472E184F-037D-A8F9-C3B5-E58123F73D33}"/>
               </a:ext>
             </a:extLst>
           </p:cNvPr>
@@ -2116,7 +2116,7 @@
           <a:bodyPr/>
           <a:lstStyle/>
           <a:p>
-            <a:fld id="{8EC6BEC0-842B-47DC-BBAE-B9CF1592390D}" type="slidenum">
+            <a:fld id="{33F4ADCF-40E1-463F-AD60-B77680CD8297}" type="slidenum">
               <a:rPr lang="zh-CN" altLang="en-US" smtClean="0"/>
               <a:t>‹#›</a:t>
             </a:fld>
@@ -2127,7 +2127,7 @@
     </p:spTree>
     <p:extLst>
       <p:ext uri="{BB962C8B-B14F-4D97-AF65-F5344CB8AC3E}">
-        <p14:creationId xmlns:p14="http://schemas.microsoft.com/office/powerpoint/2010/main" val="3223867578"/>
+        <p14:creationId xmlns:p14="http://schemas.microsoft.com/office/powerpoint/2010/main" val="2415273222"/>
       </p:ext>
     </p:extLst>
   </p:cSld>
@@ -2159,7 +2159,7 @@
           <p:cNvPr id="2" name="标题 1">
             <a:extLst>
               <a:ext uri="{FF2B5EF4-FFF2-40B4-BE49-F238E27FC236}">
-                <a16:creationId xmlns:a16="http://schemas.microsoft.com/office/drawing/2014/main" id="{C245FE95-1AFB-0BB3-B281-F945A5AB8A2B}"/>
+                <a16:creationId xmlns:a16="http://schemas.microsoft.com/office/drawing/2014/main" id="{79717C22-3751-8C5F-EE4F-C7777F51E26E}"/>
               </a:ext>
             </a:extLst>
           </p:cNvPr>
@@ -2196,7 +2196,7 @@
           <p:cNvPr id="3" name="内容占位符 2">
             <a:extLst>
               <a:ext uri="{FF2B5EF4-FFF2-40B4-BE49-F238E27FC236}">
-                <a16:creationId xmlns:a16="http://schemas.microsoft.com/office/drawing/2014/main" id="{88639F46-B2AF-93F6-54B5-148E3B30EF2E}"/>
+                <a16:creationId xmlns:a16="http://schemas.microsoft.com/office/drawing/2014/main" id="{4B270A42-4AA6-0CF3-CED4-B0499476454B}"/>
               </a:ext>
             </a:extLst>
           </p:cNvPr>
@@ -2286,7 +2286,7 @@
           <p:cNvPr id="4" name="文本占位符 3">
             <a:extLst>
               <a:ext uri="{FF2B5EF4-FFF2-40B4-BE49-F238E27FC236}">
-                <a16:creationId xmlns:a16="http://schemas.microsoft.com/office/drawing/2014/main" id="{5D5F2F63-68AB-4AEB-2498-AF26B00F8B9B}"/>
+                <a16:creationId xmlns:a16="http://schemas.microsoft.com/office/drawing/2014/main" id="{E76FEAAF-AC9B-C195-0258-CC73426A771E}"/>
               </a:ext>
             </a:extLst>
           </p:cNvPr>
@@ -2357,7 +2357,7 @@
           <p:cNvPr id="5" name="日期占位符 4">
             <a:extLst>
               <a:ext uri="{FF2B5EF4-FFF2-40B4-BE49-F238E27FC236}">
-                <a16:creationId xmlns:a16="http://schemas.microsoft.com/office/drawing/2014/main" id="{1D3585B0-B9DD-6504-FF55-7F019797D722}"/>
+                <a16:creationId xmlns:a16="http://schemas.microsoft.com/office/drawing/2014/main" id="{47F15C7A-2AA1-1922-D880-10FE3226AFA9}"/>
               </a:ext>
             </a:extLst>
           </p:cNvPr>
@@ -2373,7 +2373,7 @@
           <a:bodyPr/>
           <a:lstStyle/>
           <a:p>
-            <a:fld id="{81A1F754-EDC5-4E54-92D5-B288709DFD01}" type="datetimeFigureOut">
+            <a:fld id="{A555466C-0027-4E39-ADFA-1570B77EBF19}" type="datetimeFigureOut">
               <a:rPr lang="zh-CN" altLang="en-US" smtClean="0"/>
               <a:t>2024/3/10</a:t>
             </a:fld>
@@ -2386,7 +2386,7 @@
           <p:cNvPr id="6" name="页脚占位符 5">
             <a:extLst>
               <a:ext uri="{FF2B5EF4-FFF2-40B4-BE49-F238E27FC236}">
-                <a16:creationId xmlns:a16="http://schemas.microsoft.com/office/drawing/2014/main" id="{E1337ED7-AE1A-59BB-C8AD-9F5537ED5D43}"/>
+                <a16:creationId xmlns:a16="http://schemas.microsoft.com/office/drawing/2014/main" id="{F2269849-26DC-E652-F837-39683A27908A}"/>
               </a:ext>
             </a:extLst>
           </p:cNvPr>
@@ -2411,7 +2411,7 @@
           <p:cNvPr id="7" name="灯片编号占位符 6">
             <a:extLst>
               <a:ext uri="{FF2B5EF4-FFF2-40B4-BE49-F238E27FC236}">
-                <a16:creationId xmlns:a16="http://schemas.microsoft.com/office/drawing/2014/main" id="{93067FDA-BD6D-8CD7-0886-0503831A59F8}"/>
+                <a16:creationId xmlns:a16="http://schemas.microsoft.com/office/drawing/2014/main" id="{F43BB3F7-8730-20C3-94AE-688FF7173C29}"/>
               </a:ext>
             </a:extLst>
           </p:cNvPr>
@@ -2427,7 +2427,7 @@
           <a:bodyPr/>
           <a:lstStyle/>
           <a:p>
-            <a:fld id="{8EC6BEC0-842B-47DC-BBAE-B9CF1592390D}" type="slidenum">
+            <a:fld id="{33F4ADCF-40E1-463F-AD60-B77680CD8297}" type="slidenum">
               <a:rPr lang="zh-CN" altLang="en-US" smtClean="0"/>
               <a:t>‹#›</a:t>
             </a:fld>
@@ -2438,7 +2438,7 @@
     </p:spTree>
     <p:extLst>
       <p:ext uri="{BB962C8B-B14F-4D97-AF65-F5344CB8AC3E}">
-        <p14:creationId xmlns:p14="http://schemas.microsoft.com/office/powerpoint/2010/main" val="2625182874"/>
+        <p14:creationId xmlns:p14="http://schemas.microsoft.com/office/powerpoint/2010/main" val="174750407"/>
       </p:ext>
     </p:extLst>
   </p:cSld>
@@ -2470,7 +2470,7 @@
           <p:cNvPr id="2" name="标题 1">
             <a:extLst>
               <a:ext uri="{FF2B5EF4-FFF2-40B4-BE49-F238E27FC236}">
-                <a16:creationId xmlns:a16="http://schemas.microsoft.com/office/drawing/2014/main" id="{C9973F67-8C39-3E64-8656-D8F3320628D2}"/>
+                <a16:creationId xmlns:a16="http://schemas.microsoft.com/office/drawing/2014/main" id="{069CC195-1157-1122-C9B2-756717BDBD97}"/>
               </a:ext>
             </a:extLst>
           </p:cNvPr>
@@ -2507,7 +2507,7 @@
           <p:cNvPr id="3" name="图片占位符 2">
             <a:extLst>
               <a:ext uri="{FF2B5EF4-FFF2-40B4-BE49-F238E27FC236}">
-                <a16:creationId xmlns:a16="http://schemas.microsoft.com/office/drawing/2014/main" id="{4F15D25D-88EC-C5DB-FBAA-D01C66B20FC7}"/>
+                <a16:creationId xmlns:a16="http://schemas.microsoft.com/office/drawing/2014/main" id="{E36BDC46-00AE-667B-5895-5CB0D497672B}"/>
               </a:ext>
             </a:extLst>
           </p:cNvPr>
@@ -2574,7 +2574,7 @@
           <p:cNvPr id="4" name="文本占位符 3">
             <a:extLst>
               <a:ext uri="{FF2B5EF4-FFF2-40B4-BE49-F238E27FC236}">
-                <a16:creationId xmlns:a16="http://schemas.microsoft.com/office/drawing/2014/main" id="{1A17B318-BF40-D186-B415-BF9620521BFC}"/>
+                <a16:creationId xmlns:a16="http://schemas.microsoft.com/office/drawing/2014/main" id="{BE67CB4D-D95E-3D6F-D048-B7E2B6D23BC4}"/>
               </a:ext>
             </a:extLst>
           </p:cNvPr>
@@ -2645,7 +2645,7 @@
           <p:cNvPr id="5" name="日期占位符 4">
             <a:extLst>
               <a:ext uri="{FF2B5EF4-FFF2-40B4-BE49-F238E27FC236}">
-                <a16:creationId xmlns:a16="http://schemas.microsoft.com/office/drawing/2014/main" id="{2DE032BD-E810-358B-0537-538CBA2D6A44}"/>
+                <a16:creationId xmlns:a16="http://schemas.microsoft.com/office/drawing/2014/main" id="{DCD0059A-6B57-AB28-4F43-5ED652EEBEE6}"/>
               </a:ext>
             </a:extLst>
           </p:cNvPr>
@@ -2661,7 +2661,7 @@
           <a:bodyPr/>
           <a:lstStyle/>
           <a:p>
-            <a:fld id="{81A1F754-EDC5-4E54-92D5-B288709DFD01}" type="datetimeFigureOut">
+            <a:fld id="{A555466C-0027-4E39-ADFA-1570B77EBF19}" type="datetimeFigureOut">
               <a:rPr lang="zh-CN" altLang="en-US" smtClean="0"/>
               <a:t>2024/3/10</a:t>
             </a:fld>
@@ -2674,7 +2674,7 @@
           <p:cNvPr id="6" name="页脚占位符 5">
             <a:extLst>
               <a:ext uri="{FF2B5EF4-FFF2-40B4-BE49-F238E27FC236}">
-                <a16:creationId xmlns:a16="http://schemas.microsoft.com/office/drawing/2014/main" id="{BF57927A-87FD-3C9A-A76D-8AABD91F443B}"/>
+                <a16:creationId xmlns:a16="http://schemas.microsoft.com/office/drawing/2014/main" id="{73E9B11C-92DE-5786-D662-51F91C651E7D}"/>
               </a:ext>
             </a:extLst>
           </p:cNvPr>
@@ -2699,7 +2699,7 @@
           <p:cNvPr id="7" name="灯片编号占位符 6">
             <a:extLst>
               <a:ext uri="{FF2B5EF4-FFF2-40B4-BE49-F238E27FC236}">
-                <a16:creationId xmlns:a16="http://schemas.microsoft.com/office/drawing/2014/main" id="{AA0B095D-372E-4372-DE5B-D3680130F6D6}"/>
+                <a16:creationId xmlns:a16="http://schemas.microsoft.com/office/drawing/2014/main" id="{95E7D4D0-657F-029C-AA3F-6E2640DB6CDB}"/>
               </a:ext>
             </a:extLst>
           </p:cNvPr>
@@ -2715,7 +2715,7 @@
           <a:bodyPr/>
           <a:lstStyle/>
           <a:p>
-            <a:fld id="{8EC6BEC0-842B-47DC-BBAE-B9CF1592390D}" type="slidenum">
+            <a:fld id="{33F4ADCF-40E1-463F-AD60-B77680CD8297}" type="slidenum">
               <a:rPr lang="zh-CN" altLang="en-US" smtClean="0"/>
               <a:t>‹#›</a:t>
             </a:fld>
@@ -2726,7 +2726,7 @@
     </p:spTree>
     <p:extLst>
       <p:ext uri="{BB962C8B-B14F-4D97-AF65-F5344CB8AC3E}">
-        <p14:creationId xmlns:p14="http://schemas.microsoft.com/office/powerpoint/2010/main" val="1777188453"/>
+        <p14:creationId xmlns:p14="http://schemas.microsoft.com/office/powerpoint/2010/main" val="3188799754"/>
       </p:ext>
     </p:extLst>
   </p:cSld>
@@ -2763,7 +2763,7 @@
           <p:cNvPr id="2" name="标题占位符 1">
             <a:extLst>
               <a:ext uri="{FF2B5EF4-FFF2-40B4-BE49-F238E27FC236}">
-                <a16:creationId xmlns:a16="http://schemas.microsoft.com/office/drawing/2014/main" id="{8E875AF5-E358-321A-A867-9A94D1499CFD}"/>
+                <a16:creationId xmlns:a16="http://schemas.microsoft.com/office/drawing/2014/main" id="{D6D88165-4B67-2E1C-1753-2BB77A157F37}"/>
               </a:ext>
             </a:extLst>
           </p:cNvPr>
@@ -2801,7 +2801,7 @@
           <p:cNvPr id="3" name="文本占位符 2">
             <a:extLst>
               <a:ext uri="{FF2B5EF4-FFF2-40B4-BE49-F238E27FC236}">
-                <a16:creationId xmlns:a16="http://schemas.microsoft.com/office/drawing/2014/main" id="{196CBBF9-2CAE-BE5A-676C-49543A9A3128}"/>
+                <a16:creationId xmlns:a16="http://schemas.microsoft.com/office/drawing/2014/main" id="{BDC69165-9C7A-E61D-F6C1-AB2921C510AD}"/>
               </a:ext>
             </a:extLst>
           </p:cNvPr>
@@ -2868,7 +2868,7 @@
           <p:cNvPr id="4" name="日期占位符 3">
             <a:extLst>
               <a:ext uri="{FF2B5EF4-FFF2-40B4-BE49-F238E27FC236}">
-                <a16:creationId xmlns:a16="http://schemas.microsoft.com/office/drawing/2014/main" id="{3A2A0CD8-4E84-EFD5-FEFF-16ED6EE00E0C}"/>
+                <a16:creationId xmlns:a16="http://schemas.microsoft.com/office/drawing/2014/main" id="{1609CEC7-7B3E-491A-1299-83EA825DC601}"/>
               </a:ext>
             </a:extLst>
           </p:cNvPr>
@@ -2902,7 +2902,7 @@
             </a:lvl1pPr>
           </a:lstStyle>
           <a:p>
-            <a:fld id="{81A1F754-EDC5-4E54-92D5-B288709DFD01}" type="datetimeFigureOut">
+            <a:fld id="{A555466C-0027-4E39-ADFA-1570B77EBF19}" type="datetimeFigureOut">
               <a:rPr lang="zh-CN" altLang="en-US" smtClean="0"/>
               <a:t>2024/3/10</a:t>
             </a:fld>
@@ -2915,7 +2915,7 @@
           <p:cNvPr id="5" name="页脚占位符 4">
             <a:extLst>
               <a:ext uri="{FF2B5EF4-FFF2-40B4-BE49-F238E27FC236}">
-                <a16:creationId xmlns:a16="http://schemas.microsoft.com/office/drawing/2014/main" id="{D59E43A0-E35D-242A-32C1-C2BB2D0BA32F}"/>
+                <a16:creationId xmlns:a16="http://schemas.microsoft.com/office/drawing/2014/main" id="{E8CF34C7-02F6-0E0B-31DB-C1EC5ECF4B54}"/>
               </a:ext>
             </a:extLst>
           </p:cNvPr>
@@ -2958,7 +2958,7 @@
           <p:cNvPr id="6" name="灯片编号占位符 5">
             <a:extLst>
               <a:ext uri="{FF2B5EF4-FFF2-40B4-BE49-F238E27FC236}">
-                <a16:creationId xmlns:a16="http://schemas.microsoft.com/office/drawing/2014/main" id="{31166BBE-3E0C-85BA-99D7-303127F033D6}"/>
+                <a16:creationId xmlns:a16="http://schemas.microsoft.com/office/drawing/2014/main" id="{F2B3C707-3E8E-3479-F7E2-A18140B1DA67}"/>
               </a:ext>
             </a:extLst>
           </p:cNvPr>
@@ -2992,7 +2992,7 @@
             </a:lvl1pPr>
           </a:lstStyle>
           <a:p>
-            <a:fld id="{8EC6BEC0-842B-47DC-BBAE-B9CF1592390D}" type="slidenum">
+            <a:fld id="{33F4ADCF-40E1-463F-AD60-B77680CD8297}" type="slidenum">
               <a:rPr lang="zh-CN" altLang="en-US" smtClean="0"/>
               <a:t>‹#›</a:t>
             </a:fld>
@@ -3003,7 +3003,7 @@
     </p:spTree>
     <p:extLst>
       <p:ext uri="{BB962C8B-B14F-4D97-AF65-F5344CB8AC3E}">
-        <p14:creationId xmlns:p14="http://schemas.microsoft.com/office/powerpoint/2010/main" val="840072242"/>
+        <p14:creationId xmlns:p14="http://schemas.microsoft.com/office/powerpoint/2010/main" val="1063701100"/>
       </p:ext>
     </p:extLst>
   </p:cSld>
